--- a/reports/presentation.pptx
+++ b/reports/presentation.pptx
@@ -9,9 +9,11 @@
     <p:sldId id="257" r:id="rId3"/>
     <p:sldId id="258" r:id="rId4"/>
     <p:sldId id="259" r:id="rId5"/>
-    <p:sldId id="261" r:id="rId6"/>
-    <p:sldId id="262" r:id="rId7"/>
-    <p:sldId id="263" r:id="rId8"/>
+    <p:sldId id="264" r:id="rId6"/>
+    <p:sldId id="265" r:id="rId7"/>
+    <p:sldId id="261" r:id="rId8"/>
+    <p:sldId id="262" r:id="rId9"/>
+    <p:sldId id="263" r:id="rId10"/>
   </p:sldIdLst>
   <p:sldSz cx="12192000" cy="6858000"/>
   <p:notesSz cx="6858000" cy="9144000"/>
@@ -110,6 +112,11 @@
       </a:defRPr>
     </a:lvl9pPr>
   </p:defaultTextStyle>
+  <p:extLst>
+    <p:ext uri="{EFAFB233-063F-42B5-8137-9DF3F51BA10A}">
+      <p15:sldGuideLst xmlns:p15="http://schemas.microsoft.com/office/powerpoint/2012/main"/>
+    </p:ext>
+  </p:extLst>
 </p:presentation>
 </file>
 
@@ -276,7 +283,7 @@
           <a:p>
             <a:fld id="{1160EA64-D806-43AC-9DF2-F8C432F32B4C}" type="datetimeFigureOut">
               <a:rPr lang="en-US" dirty="0"/>
-              <a:t>3/29/21</a:t>
+              <a:t>12/1/21</a:t>
             </a:fld>
             <a:endParaRPr lang="en-US" dirty="0"/>
           </a:p>
@@ -442,7 +449,7 @@
           <a:p>
             <a:fld id="{E9F9C37B-1D36-470B-8223-D6C91242EC14}" type="datetimeFigureOut">
               <a:rPr lang="en-US" dirty="0"/>
-              <a:t>3/29/21</a:t>
+              <a:t>12/1/21</a:t>
             </a:fld>
             <a:endParaRPr lang="en-US" dirty="0"/>
           </a:p>
@@ -617,7 +624,7 @@
           <a:p>
             <a:fld id="{67C6F52A-A82B-47A2-A83A-8C4C91F2D59F}" type="datetimeFigureOut">
               <a:rPr lang="en-US" dirty="0"/>
-              <a:t>3/29/21</a:t>
+              <a:t>12/1/21</a:t>
             </a:fld>
             <a:endParaRPr lang="en-US" dirty="0"/>
           </a:p>
@@ -782,7 +789,7 @@
           <a:p>
             <a:fld id="{F070A7B3-6521-4DCA-87E5-044747A908C1}" type="datetimeFigureOut">
               <a:rPr lang="en-US" dirty="0"/>
-              <a:t>3/29/21</a:t>
+              <a:t>12/1/21</a:t>
             </a:fld>
             <a:endParaRPr lang="en-US" dirty="0"/>
           </a:p>
@@ -1046,7 +1053,7 @@
           <a:p>
             <a:fld id="{1160EA64-D806-43AC-9DF2-F8C432F32B4C}" type="datetimeFigureOut">
               <a:rPr lang="en-US" dirty="0"/>
-              <a:t>3/29/21</a:t>
+              <a:t>12/1/21</a:t>
             </a:fld>
             <a:endParaRPr lang="en-US" dirty="0"/>
           </a:p>
@@ -1274,7 +1281,7 @@
           <a:p>
             <a:fld id="{AB134690-1557-4C89-A502-4959FE7FAD70}" type="datetimeFigureOut">
               <a:rPr lang="en-US" dirty="0"/>
-              <a:t>3/29/21</a:t>
+              <a:t>12/1/21</a:t>
             </a:fld>
             <a:endParaRPr lang="en-US" dirty="0"/>
           </a:p>
@@ -1628,7 +1635,7 @@
           <a:p>
             <a:fld id="{4F7D4976-E339-4826-83B7-FBD03F55ECF8}" type="datetimeFigureOut">
               <a:rPr lang="en-US" dirty="0"/>
-              <a:t>3/29/21</a:t>
+              <a:t>12/1/21</a:t>
             </a:fld>
             <a:endParaRPr lang="en-US" dirty="0"/>
           </a:p>
@@ -1764,7 +1771,7 @@
           <a:p>
             <a:fld id="{E1037C31-9E7A-4F99-8774-A0E530DE1A42}" type="datetimeFigureOut">
               <a:rPr lang="en-US" dirty="0"/>
-              <a:t>3/29/21</a:t>
+              <a:t>12/1/21</a:t>
             </a:fld>
             <a:endParaRPr lang="en-US" dirty="0"/>
           </a:p>
@@ -1854,7 +1861,7 @@
           <a:p>
             <a:fld id="{C278504F-A551-4DE0-9316-4DCD1D8CC752}" type="datetimeFigureOut">
               <a:rPr lang="en-US" dirty="0"/>
-              <a:t>3/29/21</a:t>
+              <a:t>12/1/21</a:t>
             </a:fld>
             <a:endParaRPr lang="en-US" dirty="0"/>
           </a:p>
@@ -2206,7 +2213,7 @@
           <a:p>
             <a:fld id="{D1BE4249-C0D0-4B06-8692-E8BB871AF643}" type="datetimeFigureOut">
               <a:rPr lang="en-US" dirty="0"/>
-              <a:t>3/29/21</a:t>
+              <a:t>12/1/21</a:t>
             </a:fld>
             <a:endParaRPr lang="en-US" dirty="0"/>
           </a:p>
@@ -2558,7 +2565,7 @@
           <a:p>
             <a:fld id="{042B0DB6-F5C7-45FB-8CF3-31B45F9C2DAC}" type="datetimeFigureOut">
               <a:rPr lang="en-US" dirty="0"/>
-              <a:t>3/29/21</a:t>
+              <a:t>12/1/21</a:t>
             </a:fld>
             <a:endParaRPr lang="en-US" dirty="0"/>
           </a:p>
@@ -2795,7 +2802,7 @@
           <a:p>
             <a:fld id="{1160EA64-D806-43AC-9DF2-F8C432F32B4C}" type="datetimeFigureOut">
               <a:rPr lang="en-US" dirty="0"/>
-              <a:t>3/29/21</a:t>
+              <a:t>12/1/21</a:t>
             </a:fld>
             <a:endParaRPr lang="en-US" dirty="0"/>
           </a:p>
@@ -3602,7 +3609,7 @@
             </a:pPr>
             <a:r>
               <a:rPr lang="en-US" sz="2800" dirty="0"/>
-              <a:t>Python, Pandas, </a:t>
+              <a:t>Pandas, </a:t>
             </a:r>
             <a:r>
               <a:rPr lang="en-US" sz="2800" dirty="0" err="1"/>
@@ -3610,15 +3617,7 @@
             </a:r>
             <a:r>
               <a:rPr lang="en-US" sz="2800" dirty="0"/>
-              <a:t>, Scikit Learn, Seaborn and </a:t>
-            </a:r>
-            <a:r>
-              <a:rPr lang="en-US" sz="2800" dirty="0" err="1"/>
-              <a:t>Numpy</a:t>
-            </a:r>
-            <a:r>
-              <a:rPr lang="en-US" sz="2800" dirty="0"/>
-              <a:t> </a:t>
+              <a:t>, Scikit Learn, Seaborn and NumPy </a:t>
             </a:r>
           </a:p>
         </p:txBody>
@@ -3639,6 +3638,14 @@
 <file path=ppt/slides/slide5.xml><?xml version="1.0" encoding="utf-8"?>
 <p:sld xmlns:a="http://schemas.openxmlformats.org/drawingml/2006/main" xmlns:r="http://schemas.openxmlformats.org/officeDocument/2006/relationships" xmlns:p="http://schemas.openxmlformats.org/presentationml/2006/main">
   <p:cSld>
+    <p:bg>
+      <p:bgPr>
+        <a:solidFill>
+          <a:schemeClr val="bg1"/>
+        </a:solidFill>
+        <a:effectLst/>
+      </p:bgPr>
+    </p:bg>
     <p:spTree>
       <p:nvGrpSpPr>
         <p:cNvPr id="1" name=""/>
@@ -3653,12 +3660,135 @@
           <a:chExt cx="0" cy="0"/>
         </a:xfrm>
       </p:grpSpPr>
+      <p:sp useBgFill="1">
+        <p:nvSpPr>
+          <p:cNvPr id="10" name="Rectangle 9">
+            <a:extLst>
+              <a:ext uri="{FF2B5EF4-FFF2-40B4-BE49-F238E27FC236}">
+                <a16:creationId xmlns:a16="http://schemas.microsoft.com/office/drawing/2014/main" id="{419501C6-F015-4273-AF88-E0F6C853899F}"/>
+              </a:ext>
+              <a:ext uri="{C183D7F6-B498-43B3-948B-1728B52AA6E4}">
+                <adec:decorative xmlns:adec="http://schemas.microsoft.com/office/drawing/2017/decorative" val="1"/>
+              </a:ext>
+            </a:extLst>
+          </p:cNvPr>
+          <p:cNvSpPr>
+            <a:spLocks noGrp="1" noRot="1" noChangeAspect="1" noMove="1" noResize="1" noEditPoints="1" noAdjustHandles="1" noChangeArrowheads="1" noChangeShapeType="1" noTextEdit="1"/>
+          </p:cNvSpPr>
+          <p:nvPr>
+            <p:extLst>
+              <p:ext uri="{386F3935-93C4-4BCD-93E2-E3B085C9AB24}">
+                <p16:designElem xmlns:p16="http://schemas.microsoft.com/office/powerpoint/2015/main" val="1"/>
+              </p:ext>
+            </p:extLst>
+          </p:nvPr>
+        </p:nvSpPr>
+        <p:spPr>
+          <a:xfrm>
+            <a:off x="0" y="0"/>
+            <a:ext cx="12191999" cy="6858000"/>
+          </a:xfrm>
+          <a:prstGeom prst="rect">
+            <a:avLst/>
+          </a:prstGeom>
+          <a:ln>
+            <a:noFill/>
+          </a:ln>
+        </p:spPr>
+        <p:style>
+          <a:lnRef idx="2">
+            <a:schemeClr val="accent1">
+              <a:shade val="50000"/>
+            </a:schemeClr>
+          </a:lnRef>
+          <a:fillRef idx="1">
+            <a:schemeClr val="accent1"/>
+          </a:fillRef>
+          <a:effectRef idx="0">
+            <a:schemeClr val="accent1"/>
+          </a:effectRef>
+          <a:fontRef idx="minor">
+            <a:schemeClr val="lt1"/>
+          </a:fontRef>
+        </p:style>
+        <p:txBody>
+          <a:bodyPr rtlCol="0" anchor="ctr"/>
+          <a:lstStyle/>
+          <a:p>
+            <a:pPr algn="ctr"/>
+            <a:endParaRPr lang="en-US"/>
+          </a:p>
+        </p:txBody>
+      </p:sp>
+      <p:sp>
+        <p:nvSpPr>
+          <p:cNvPr id="12" name="Rectangle 11">
+            <a:extLst>
+              <a:ext uri="{FF2B5EF4-FFF2-40B4-BE49-F238E27FC236}">
+                <a16:creationId xmlns:a16="http://schemas.microsoft.com/office/drawing/2014/main" id="{CA677DB7-5829-45BD-9754-5EC484CC4253}"/>
+              </a:ext>
+              <a:ext uri="{C183D7F6-B498-43B3-948B-1728B52AA6E4}">
+                <adec:decorative xmlns:adec="http://schemas.microsoft.com/office/drawing/2017/decorative" val="1"/>
+              </a:ext>
+            </a:extLst>
+          </p:cNvPr>
+          <p:cNvSpPr>
+            <a:spLocks noGrp="1" noRot="1" noChangeAspect="1" noMove="1" noResize="1" noEditPoints="1" noAdjustHandles="1" noChangeArrowheads="1" noChangeShapeType="1" noTextEdit="1"/>
+          </p:cNvSpPr>
+          <p:nvPr>
+            <p:extLst>
+              <p:ext uri="{386F3935-93C4-4BCD-93E2-E3B085C9AB24}">
+                <p16:designElem xmlns:p16="http://schemas.microsoft.com/office/powerpoint/2015/main" val="1"/>
+              </p:ext>
+            </p:extLst>
+          </p:nvPr>
+        </p:nvSpPr>
+        <p:spPr>
+          <a:xfrm>
+            <a:off x="1" y="1"/>
+            <a:ext cx="4654296" cy="6858000"/>
+          </a:xfrm>
+          <a:prstGeom prst="rect">
+            <a:avLst/>
+          </a:prstGeom>
+          <a:solidFill>
+            <a:schemeClr val="accent2"/>
+          </a:solidFill>
+          <a:ln>
+            <a:noFill/>
+          </a:ln>
+        </p:spPr>
+        <p:style>
+          <a:lnRef idx="2">
+            <a:schemeClr val="accent1">
+              <a:shade val="50000"/>
+            </a:schemeClr>
+          </a:lnRef>
+          <a:fillRef idx="1">
+            <a:schemeClr val="accent1"/>
+          </a:fillRef>
+          <a:effectRef idx="0">
+            <a:schemeClr val="accent1"/>
+          </a:effectRef>
+          <a:fontRef idx="minor">
+            <a:schemeClr val="lt1"/>
+          </a:fontRef>
+        </p:style>
+        <p:txBody>
+          <a:bodyPr rtlCol="0" anchor="ctr"/>
+          <a:lstStyle/>
+          <a:p>
+            <a:pPr algn="ctr"/>
+            <a:endParaRPr lang="en-US"/>
+          </a:p>
+        </p:txBody>
+      </p:sp>
       <p:sp>
         <p:nvSpPr>
           <p:cNvPr id="2" name="Title 1">
             <a:extLst>
               <a:ext uri="{FF2B5EF4-FFF2-40B4-BE49-F238E27FC236}">
-                <a16:creationId xmlns:a16="http://schemas.microsoft.com/office/drawing/2014/main" id="{16C4C164-38D8-784C-B490-9A7F2A3435E5}"/>
+                <a16:creationId xmlns:a16="http://schemas.microsoft.com/office/drawing/2014/main" id="{D022EFC9-71C3-EA45-A2AE-9BB8266286FC}"/>
               </a:ext>
             </a:extLst>
           </p:cNvPr>
@@ -3669,24 +3799,63 @@
             <p:ph type="title"/>
           </p:nvPr>
         </p:nvSpPr>
-        <p:spPr/>
-        <p:txBody>
-          <a:bodyPr/>
+        <p:spPr>
+          <a:xfrm>
+            <a:off x="804674" y="640080"/>
+            <a:ext cx="3044950" cy="1627792"/>
+          </a:xfrm>
+        </p:spPr>
+        <p:txBody>
+          <a:bodyPr vert="horz" lIns="274320" tIns="182880" rIns="274320" bIns="182880" rtlCol="0" anchor="ctr" anchorCtr="1">
+            <a:normAutofit/>
+          </a:bodyPr>
           <a:lstStyle/>
           <a:p>
             <a:r>
               <a:rPr lang="en-US" dirty="0"/>
-              <a:t>Results</a:t>
-            </a:r>
-          </a:p>
-        </p:txBody>
-      </p:sp>
-      <p:sp>
-        <p:nvSpPr>
-          <p:cNvPr id="5" name="TextBox 4">
+              <a:t>process</a:t>
+            </a:r>
+          </a:p>
+        </p:txBody>
+      </p:sp>
+      <p:pic>
+        <p:nvPicPr>
+          <p:cNvPr id="5" name="Content Placeholder 4" descr="Chart&#10;&#10;Description automatically generated">
             <a:extLst>
               <a:ext uri="{FF2B5EF4-FFF2-40B4-BE49-F238E27FC236}">
-                <a16:creationId xmlns:a16="http://schemas.microsoft.com/office/drawing/2014/main" id="{25864400-D626-DA40-BD60-E567C0E6E883}"/>
+                <a16:creationId xmlns:a16="http://schemas.microsoft.com/office/drawing/2014/main" id="{00A3F8D7-D9AF-3F4B-A9D2-E7DF92761CC1}"/>
+              </a:ext>
+            </a:extLst>
+          </p:cNvPr>
+          <p:cNvPicPr>
+            <a:picLocks noGrp="1" noChangeAspect="1"/>
+          </p:cNvPicPr>
+          <p:nvPr>
+            <p:ph idx="1"/>
+          </p:nvPr>
+        </p:nvPicPr>
+        <p:blipFill>
+          <a:blip r:embed="rId2"/>
+          <a:stretch>
+            <a:fillRect/>
+          </a:stretch>
+        </p:blipFill>
+        <p:spPr>
+          <a:xfrm>
+            <a:off x="5089746" y="230693"/>
+            <a:ext cx="6772402" cy="6207685"/>
+          </a:xfrm>
+          <a:prstGeom prst="rect">
+            <a:avLst/>
+          </a:prstGeom>
+        </p:spPr>
+      </p:pic>
+      <p:sp>
+        <p:nvSpPr>
+          <p:cNvPr id="6" name="TextBox 5">
+            <a:extLst>
+              <a:ext uri="{FF2B5EF4-FFF2-40B4-BE49-F238E27FC236}">
+                <a16:creationId xmlns:a16="http://schemas.microsoft.com/office/drawing/2014/main" id="{318A90FA-3EBC-5540-BC82-7A9EBB6C147B}"/>
               </a:ext>
             </a:extLst>
           </p:cNvPr>
@@ -3695,8 +3864,8 @@
         </p:nvSpPr>
         <p:spPr>
           <a:xfrm>
-            <a:off x="2464904" y="3101009"/>
-            <a:ext cx="7066722" cy="2677656"/>
+            <a:off x="688932" y="3081403"/>
+            <a:ext cx="3670126" cy="2862322"/>
           </a:xfrm>
           <a:prstGeom prst="rect">
             <a:avLst/>
@@ -3714,12 +3883,20 @@
               <a:buChar char="•"/>
             </a:pPr>
             <a:r>
-              <a:rPr lang="en-US" sz="2400" b="1" dirty="0"/>
-              <a:t>Enclose porch </a:t>
-            </a:r>
-            <a:r>
-              <a:rPr lang="en-US" sz="2400" dirty="0"/>
-              <a:t>- the price of the house increases by $160 per square feet if the porch is enclosed.</a:t>
+              <a:rPr lang="en-US" dirty="0">
+                <a:solidFill>
+                  <a:schemeClr val="bg1"/>
+                </a:solidFill>
+              </a:rPr>
+              <a:t>Most of the features are </a:t>
+            </a:r>
+            <a:r>
+              <a:rPr lang="en-US" b="1" dirty="0">
+                <a:solidFill>
+                  <a:schemeClr val="bg1"/>
+                </a:solidFill>
+              </a:rPr>
+              <a:t>not normally distributed</a:t>
             </a:r>
           </a:p>
           <a:p>
@@ -3728,37 +3905,91 @@
               <a:buChar char="•"/>
             </a:pPr>
             <a:r>
-              <a:rPr lang="en-US" sz="2400" b="1" dirty="0"/>
-              <a:t>Upgrade to Forced Air</a:t>
-            </a:r>
-            <a:r>
-              <a:rPr lang="en-US" sz="2400" dirty="0"/>
-              <a:t> system the Elec BB Heat Systems due to price increase.</a:t>
-            </a:r>
-          </a:p>
-          <a:p>
-            <a:pPr marL="285750" indent="-285750">
-              <a:buFont typeface="Arial" panose="020B0604020202020204" pitchFamily="34" charset="0"/>
-              <a:buChar char="•"/>
-            </a:pPr>
-            <a:r>
-              <a:rPr lang="en-US" sz="2400" b="1" dirty="0"/>
-              <a:t>Increase the square feet of Living Space - </a:t>
-            </a:r>
-            <a:r>
-              <a:rPr lang="en-US" sz="2400" dirty="0"/>
-              <a:t>every foot upgrade increases house price by $17 500.</a:t>
-            </a:r>
-          </a:p>
-          <a:p>
-            <a:endParaRPr lang="en-US" sz="2400" dirty="0"/>
+              <a:rPr lang="en-US" dirty="0">
+                <a:solidFill>
+                  <a:schemeClr val="bg1"/>
+                </a:solidFill>
+              </a:rPr>
+              <a:t>SqFt1stFloor, Bedroom, </a:t>
+            </a:r>
+            <a:r>
+              <a:rPr lang="en-US" dirty="0" err="1">
+                <a:solidFill>
+                  <a:schemeClr val="bg1"/>
+                </a:solidFill>
+              </a:rPr>
+              <a:t>SqFtTotLiving</a:t>
+            </a:r>
+            <a:r>
+              <a:rPr lang="en-US" dirty="0">
+                <a:solidFill>
+                  <a:schemeClr val="bg1"/>
+                </a:solidFill>
+              </a:rPr>
+              <a:t>,  </a:t>
+            </a:r>
+            <a:r>
+              <a:rPr lang="en-US" dirty="0" err="1">
+                <a:solidFill>
+                  <a:schemeClr val="bg1"/>
+                </a:solidFill>
+              </a:rPr>
+              <a:t>YearBuilt</a:t>
+            </a:r>
+            <a:r>
+              <a:rPr lang="en-US" dirty="0">
+                <a:solidFill>
+                  <a:schemeClr val="bg1"/>
+                </a:solidFill>
+              </a:rPr>
+              <a:t> close to </a:t>
+            </a:r>
+            <a:r>
+              <a:rPr lang="en-US" b="1" dirty="0">
+                <a:solidFill>
+                  <a:schemeClr val="bg1"/>
+                </a:solidFill>
+              </a:rPr>
+              <a:t>normal distribution</a:t>
+            </a:r>
+          </a:p>
+          <a:p>
+            <a:endParaRPr lang="en-US" dirty="0">
+              <a:solidFill>
+                <a:schemeClr val="bg1"/>
+              </a:solidFill>
+            </a:endParaRPr>
+          </a:p>
+          <a:p>
+            <a:endParaRPr lang="en-US" dirty="0">
+              <a:solidFill>
+                <a:schemeClr val="bg1"/>
+              </a:solidFill>
+            </a:endParaRPr>
+          </a:p>
+          <a:p>
+            <a:endParaRPr lang="en-US" dirty="0">
+              <a:solidFill>
+                <a:schemeClr val="bg1"/>
+              </a:solidFill>
+            </a:endParaRPr>
+          </a:p>
+          <a:p>
+            <a:r>
+              <a:rPr lang="en-US" dirty="0">
+                <a:solidFill>
+                  <a:schemeClr val="bg1"/>
+                </a:solidFill>
+              </a:rPr>
+              <a:t>* Normal Distribution resembles bell shape curve.</a:t>
+            </a:r>
           </a:p>
         </p:txBody>
       </p:sp>
     </p:spTree>
     <p:extLst>
       <p:ext uri="{BB962C8B-B14F-4D97-AF65-F5344CB8AC3E}">
-        <p14:creationId xmlns:p14="http://schemas.microsoft.com/office/powerpoint/2010/main" val="2481807130"/>
+        <p14:creationId xmlns:p14="http://schemas.microsoft.com/office/powerpoint/2010/main" val="2124328434"/>
       </p:ext>
     </p:extLst>
   </p:cSld>
@@ -3790,7 +4021,7 @@
           <p:cNvPr id="2" name="Title 1">
             <a:extLst>
               <a:ext uri="{FF2B5EF4-FFF2-40B4-BE49-F238E27FC236}">
-                <a16:creationId xmlns:a16="http://schemas.microsoft.com/office/drawing/2014/main" id="{17EB785C-B93D-184A-956B-85E3B27DA5D2}"/>
+                <a16:creationId xmlns:a16="http://schemas.microsoft.com/office/drawing/2014/main" id="{CCBA4928-563F-9B4B-9B5F-13C0F5FEA23B}"/>
               </a:ext>
             </a:extLst>
           </p:cNvPr>
@@ -3801,88 +4032,182 @@
             <p:ph type="title"/>
           </p:nvPr>
         </p:nvSpPr>
-        <p:spPr/>
+        <p:spPr>
+          <a:xfrm>
+            <a:off x="2231136" y="522903"/>
+            <a:ext cx="7729728" cy="1188720"/>
+          </a:xfrm>
+        </p:spPr>
         <p:txBody>
           <a:bodyPr/>
           <a:lstStyle/>
           <a:p>
             <a:r>
               <a:rPr lang="en-US" dirty="0"/>
-              <a:t>Next Steps</a:t>
-            </a:r>
-          </a:p>
-        </p:txBody>
-      </p:sp>
-      <p:sp>
-        <p:nvSpPr>
-          <p:cNvPr id="3" name="TextBox 2">
+              <a:t>Modeling</a:t>
+            </a:r>
+          </a:p>
+        </p:txBody>
+      </p:sp>
+      <p:sp>
+        <p:nvSpPr>
+          <p:cNvPr id="3" name="Content Placeholder 2">
             <a:extLst>
               <a:ext uri="{FF2B5EF4-FFF2-40B4-BE49-F238E27FC236}">
-                <a16:creationId xmlns:a16="http://schemas.microsoft.com/office/drawing/2014/main" id="{1BE23EA0-195B-0D41-9433-65F8DF076A80}"/>
+                <a16:creationId xmlns:a16="http://schemas.microsoft.com/office/drawing/2014/main" id="{BB38DBE6-E7F7-F942-977E-4164C772B852}"/>
               </a:ext>
             </a:extLst>
           </p:cNvPr>
-          <p:cNvSpPr txBox="1"/>
-          <p:nvPr/>
+          <p:cNvSpPr>
+            <a:spLocks noGrp="1"/>
+          </p:cNvSpPr>
+          <p:nvPr>
+            <p:ph idx="1"/>
+          </p:nvPr>
         </p:nvSpPr>
         <p:spPr>
           <a:xfrm>
-            <a:off x="2231136" y="2822713"/>
-            <a:ext cx="7729728" cy="3046988"/>
+            <a:off x="2231136" y="2054832"/>
+            <a:ext cx="7729728" cy="4171308"/>
           </a:xfrm>
-          <a:prstGeom prst="rect">
-            <a:avLst/>
-          </a:prstGeom>
-          <a:noFill/>
         </p:spPr>
         <p:txBody>
-          <a:bodyPr wrap="square" rtlCol="0">
-            <a:spAutoFit/>
+          <a:bodyPr>
+            <a:normAutofit fontScale="92500" lnSpcReduction="10000"/>
           </a:bodyPr>
           <a:lstStyle/>
           <a:p>
-            <a:pPr marL="285750" indent="-285750">
-              <a:buFont typeface="Arial" panose="020B0604020202020204" pitchFamily="34" charset="0"/>
-              <a:buChar char="•"/>
+            <a:r>
+              <a:rPr lang="en-US" dirty="0"/>
+              <a:t>Baseline Model – Linear Regression with </a:t>
+            </a:r>
+            <a:r>
+              <a:rPr lang="en-US" dirty="0" err="1"/>
+              <a:t>SqFtTotLiving</a:t>
+            </a:r>
+            <a:r>
+              <a:rPr lang="en-US" dirty="0"/>
+              <a:t> Feature and </a:t>
+            </a:r>
+            <a:r>
+              <a:rPr lang="en-US" dirty="0" err="1"/>
+              <a:t>SalePrice</a:t>
+            </a:r>
+            <a:r>
+              <a:rPr lang="en-US" dirty="0"/>
+              <a:t> target.</a:t>
+            </a:r>
+          </a:p>
+          <a:p>
+            <a:r>
+              <a:rPr lang="en-US" dirty="0"/>
+              <a:t>Final Model – Linear Regression with following features:</a:t>
+            </a:r>
+          </a:p>
+          <a:p>
+            <a:pPr marL="868363" indent="-285750">
+              <a:buFont typeface="Wingdings" pitchFamily="2" charset="2"/>
+              <a:buChar char="Ø"/>
             </a:pPr>
             <a:r>
-              <a:rPr lang="en-US" sz="2400" dirty="0"/>
-              <a:t>Further investigation of houses with fully open porches and fully enclosed porches. Find average price for both features.</a:t>
-            </a:r>
-          </a:p>
-          <a:p>
-            <a:pPr marL="285750" indent="-285750">
-              <a:buFont typeface="Arial" panose="020B0604020202020204" pitchFamily="34" charset="0"/>
-              <a:buChar char="•"/>
+              <a:rPr lang="en-US" dirty="0" err="1"/>
+              <a:t>SqFtTotLiving_sqrt</a:t>
+            </a:r>
+            <a:r>
+              <a:rPr lang="en-US" dirty="0"/>
+              <a:t> </a:t>
+            </a:r>
+          </a:p>
+          <a:p>
+            <a:pPr marL="868363" indent="-285750">
+              <a:buFont typeface="Wingdings" pitchFamily="2" charset="2"/>
+              <a:buChar char="Ø"/>
             </a:pPr>
             <a:r>
-              <a:rPr lang="en-US" sz="2400" dirty="0"/>
-              <a:t>Increase the Living Space by converting Basement Garage to living area and investigate effect on the sale price.</a:t>
-            </a:r>
-          </a:p>
-          <a:p>
-            <a:pPr marL="285750" indent="-285750">
-              <a:buFont typeface="Arial" panose="020B0604020202020204" pitchFamily="34" charset="0"/>
-              <a:buChar char="•"/>
+              <a:rPr lang="en-US" dirty="0" err="1"/>
+              <a:t>SqFtEnclosedPorch</a:t>
+            </a:r>
+            <a:r>
+              <a:rPr lang="en-US" dirty="0"/>
+              <a:t> </a:t>
+            </a:r>
+          </a:p>
+          <a:p>
+            <a:pPr marL="868363" indent="-285750">
+              <a:buFont typeface="Wingdings" pitchFamily="2" charset="2"/>
+              <a:buChar char="Ø"/>
             </a:pPr>
             <a:r>
-              <a:rPr lang="en-US" sz="2400" dirty="0"/>
-              <a:t>Further analysis of heat system to calculate average sale price for each heat system.</a:t>
-            </a:r>
-          </a:p>
-          <a:p>
-            <a:pPr marL="285750" indent="-285750">
-              <a:buFont typeface="Arial" panose="020B0604020202020204" pitchFamily="34" charset="0"/>
-              <a:buChar char="•"/>
+              <a:rPr lang="en-US" dirty="0" err="1"/>
+              <a:t>SqFtOpenPorch</a:t>
+            </a:r>
+            <a:r>
+              <a:rPr lang="en-US" dirty="0"/>
+              <a:t> </a:t>
+            </a:r>
+          </a:p>
+          <a:p>
+            <a:pPr marL="868363" indent="-285750">
+              <a:buFont typeface="Wingdings" pitchFamily="2" charset="2"/>
+              <a:buChar char="Ø"/>
             </a:pPr>
-            <a:endParaRPr lang="en-US" sz="2400" dirty="0"/>
+            <a:r>
+              <a:rPr lang="en-US" dirty="0"/>
+              <a:t>Hot Water </a:t>
+            </a:r>
+          </a:p>
+          <a:p>
+            <a:pPr marL="868363" indent="-285750">
+              <a:buFont typeface="Wingdings" pitchFamily="2" charset="2"/>
+              <a:buChar char="Ø"/>
+            </a:pPr>
+            <a:r>
+              <a:rPr lang="en-US" dirty="0"/>
+              <a:t>Radiant </a:t>
+            </a:r>
+          </a:p>
+          <a:p>
+            <a:pPr marL="868363" indent="-285750">
+              <a:buFont typeface="Wingdings" pitchFamily="2" charset="2"/>
+              <a:buChar char="Ø"/>
+            </a:pPr>
+            <a:r>
+              <a:rPr lang="en-US" dirty="0"/>
+              <a:t>Elec BB </a:t>
+            </a:r>
+          </a:p>
+          <a:p>
+            <a:pPr marL="868363" indent="-285750">
+              <a:buFont typeface="Wingdings" pitchFamily="2" charset="2"/>
+              <a:buChar char="Ø"/>
+            </a:pPr>
+            <a:r>
+              <a:rPr lang="en-US" dirty="0"/>
+              <a:t>Gravity </a:t>
+            </a:r>
+          </a:p>
+          <a:p>
+            <a:pPr marL="868363" indent="-285750">
+              <a:buFont typeface="Wingdings" pitchFamily="2" charset="2"/>
+              <a:buChar char="Ø"/>
+            </a:pPr>
+            <a:r>
+              <a:rPr lang="en-US" dirty="0"/>
+              <a:t>Other (Heat System)</a:t>
+            </a:r>
+          </a:p>
+          <a:p>
+            <a:r>
+              <a:rPr lang="en-US" dirty="0"/>
+              <a:t>Assumptions of linear regression were checked for all models.</a:t>
+            </a:r>
           </a:p>
         </p:txBody>
       </p:sp>
     </p:spTree>
     <p:extLst>
       <p:ext uri="{BB962C8B-B14F-4D97-AF65-F5344CB8AC3E}">
-        <p14:creationId xmlns:p14="http://schemas.microsoft.com/office/powerpoint/2010/main" val="868405030"/>
+        <p14:creationId xmlns:p14="http://schemas.microsoft.com/office/powerpoint/2010/main" val="3079182804"/>
       </p:ext>
     </p:extLst>
   </p:cSld>
@@ -3914,6 +4239,262 @@
           <p:cNvPr id="2" name="Title 1">
             <a:extLst>
               <a:ext uri="{FF2B5EF4-FFF2-40B4-BE49-F238E27FC236}">
+                <a16:creationId xmlns:a16="http://schemas.microsoft.com/office/drawing/2014/main" id="{16C4C164-38D8-784C-B490-9A7F2A3435E5}"/>
+              </a:ext>
+            </a:extLst>
+          </p:cNvPr>
+          <p:cNvSpPr>
+            <a:spLocks noGrp="1"/>
+          </p:cNvSpPr>
+          <p:nvPr>
+            <p:ph type="title"/>
+          </p:nvPr>
+        </p:nvSpPr>
+        <p:spPr/>
+        <p:txBody>
+          <a:bodyPr/>
+          <a:lstStyle/>
+          <a:p>
+            <a:r>
+              <a:rPr lang="en-US" dirty="0"/>
+              <a:t>Results</a:t>
+            </a:r>
+          </a:p>
+        </p:txBody>
+      </p:sp>
+      <p:sp>
+        <p:nvSpPr>
+          <p:cNvPr id="5" name="TextBox 4">
+            <a:extLst>
+              <a:ext uri="{FF2B5EF4-FFF2-40B4-BE49-F238E27FC236}">
+                <a16:creationId xmlns:a16="http://schemas.microsoft.com/office/drawing/2014/main" id="{25864400-D626-DA40-BD60-E567C0E6E883}"/>
+              </a:ext>
+            </a:extLst>
+          </p:cNvPr>
+          <p:cNvSpPr txBox="1"/>
+          <p:nvPr/>
+        </p:nvSpPr>
+        <p:spPr>
+          <a:xfrm>
+            <a:off x="2464904" y="3101009"/>
+            <a:ext cx="7066722" cy="2677656"/>
+          </a:xfrm>
+          <a:prstGeom prst="rect">
+            <a:avLst/>
+          </a:prstGeom>
+          <a:noFill/>
+        </p:spPr>
+        <p:txBody>
+          <a:bodyPr wrap="square" rtlCol="0">
+            <a:spAutoFit/>
+          </a:bodyPr>
+          <a:lstStyle/>
+          <a:p>
+            <a:pPr marL="285750" indent="-285750">
+              <a:buFont typeface="Arial" panose="020B0604020202020204" pitchFamily="34" charset="0"/>
+              <a:buChar char="•"/>
+            </a:pPr>
+            <a:r>
+              <a:rPr lang="en-US" sz="2400" b="1" dirty="0"/>
+              <a:t>Enclose porch </a:t>
+            </a:r>
+            <a:r>
+              <a:rPr lang="en-US" sz="2400" dirty="0"/>
+              <a:t>- the price of the house increases by $160 per square feet if the porch is enclosed.</a:t>
+            </a:r>
+          </a:p>
+          <a:p>
+            <a:pPr marL="285750" indent="-285750">
+              <a:buFont typeface="Arial" panose="020B0604020202020204" pitchFamily="34" charset="0"/>
+              <a:buChar char="•"/>
+            </a:pPr>
+            <a:r>
+              <a:rPr lang="en-US" sz="2400" b="1" dirty="0"/>
+              <a:t>Upgrade to Forced Air</a:t>
+            </a:r>
+            <a:r>
+              <a:rPr lang="en-US" sz="2400" dirty="0"/>
+              <a:t> system the Elec BB Heat Systems due to price increase.</a:t>
+            </a:r>
+          </a:p>
+          <a:p>
+            <a:pPr marL="285750" indent="-285750">
+              <a:buFont typeface="Arial" panose="020B0604020202020204" pitchFamily="34" charset="0"/>
+              <a:buChar char="•"/>
+            </a:pPr>
+            <a:r>
+              <a:rPr lang="en-US" sz="2400" b="1" dirty="0"/>
+              <a:t>Increase the square feet of Living Space - </a:t>
+            </a:r>
+            <a:r>
+              <a:rPr lang="en-US" sz="2400" dirty="0"/>
+              <a:t>every foot upgrade increases house price by $17 500.</a:t>
+            </a:r>
+          </a:p>
+          <a:p>
+            <a:endParaRPr lang="en-US" sz="2400" dirty="0"/>
+          </a:p>
+        </p:txBody>
+      </p:sp>
+    </p:spTree>
+    <p:extLst>
+      <p:ext uri="{BB962C8B-B14F-4D97-AF65-F5344CB8AC3E}">
+        <p14:creationId xmlns:p14="http://schemas.microsoft.com/office/powerpoint/2010/main" val="2481807130"/>
+      </p:ext>
+    </p:extLst>
+  </p:cSld>
+  <p:clrMapOvr>
+    <a:masterClrMapping/>
+  </p:clrMapOvr>
+</p:sld>
+</file>
+
+<file path=ppt/slides/slide8.xml><?xml version="1.0" encoding="utf-8"?>
+<p:sld xmlns:a="http://schemas.openxmlformats.org/drawingml/2006/main" xmlns:r="http://schemas.openxmlformats.org/officeDocument/2006/relationships" xmlns:p="http://schemas.openxmlformats.org/presentationml/2006/main">
+  <p:cSld>
+    <p:spTree>
+      <p:nvGrpSpPr>
+        <p:cNvPr id="1" name=""/>
+        <p:cNvGrpSpPr/>
+        <p:nvPr/>
+      </p:nvGrpSpPr>
+      <p:grpSpPr>
+        <a:xfrm>
+          <a:off x="0" y="0"/>
+          <a:ext cx="0" cy="0"/>
+          <a:chOff x="0" y="0"/>
+          <a:chExt cx="0" cy="0"/>
+        </a:xfrm>
+      </p:grpSpPr>
+      <p:sp>
+        <p:nvSpPr>
+          <p:cNvPr id="2" name="Title 1">
+            <a:extLst>
+              <a:ext uri="{FF2B5EF4-FFF2-40B4-BE49-F238E27FC236}">
+                <a16:creationId xmlns:a16="http://schemas.microsoft.com/office/drawing/2014/main" id="{17EB785C-B93D-184A-956B-85E3B27DA5D2}"/>
+              </a:ext>
+            </a:extLst>
+          </p:cNvPr>
+          <p:cNvSpPr>
+            <a:spLocks noGrp="1"/>
+          </p:cNvSpPr>
+          <p:nvPr>
+            <p:ph type="title"/>
+          </p:nvPr>
+        </p:nvSpPr>
+        <p:spPr/>
+        <p:txBody>
+          <a:bodyPr/>
+          <a:lstStyle/>
+          <a:p>
+            <a:r>
+              <a:rPr lang="en-US" dirty="0"/>
+              <a:t>Next Steps</a:t>
+            </a:r>
+          </a:p>
+        </p:txBody>
+      </p:sp>
+      <p:sp>
+        <p:nvSpPr>
+          <p:cNvPr id="3" name="TextBox 2">
+            <a:extLst>
+              <a:ext uri="{FF2B5EF4-FFF2-40B4-BE49-F238E27FC236}">
+                <a16:creationId xmlns:a16="http://schemas.microsoft.com/office/drawing/2014/main" id="{1BE23EA0-195B-0D41-9433-65F8DF076A80}"/>
+              </a:ext>
+            </a:extLst>
+          </p:cNvPr>
+          <p:cNvSpPr txBox="1"/>
+          <p:nvPr/>
+        </p:nvSpPr>
+        <p:spPr>
+          <a:xfrm>
+            <a:off x="2231136" y="2822713"/>
+            <a:ext cx="7729728" cy="3046988"/>
+          </a:xfrm>
+          <a:prstGeom prst="rect">
+            <a:avLst/>
+          </a:prstGeom>
+          <a:noFill/>
+        </p:spPr>
+        <p:txBody>
+          <a:bodyPr wrap="square" rtlCol="0">
+            <a:spAutoFit/>
+          </a:bodyPr>
+          <a:lstStyle/>
+          <a:p>
+            <a:pPr marL="285750" indent="-285750">
+              <a:buFont typeface="Arial" panose="020B0604020202020204" pitchFamily="34" charset="0"/>
+              <a:buChar char="•"/>
+            </a:pPr>
+            <a:r>
+              <a:rPr lang="en-US" sz="2400" dirty="0"/>
+              <a:t>Further investigation of houses with fully open porches and fully enclosed porches. Find average price for both features.</a:t>
+            </a:r>
+          </a:p>
+          <a:p>
+            <a:pPr marL="285750" indent="-285750">
+              <a:buFont typeface="Arial" panose="020B0604020202020204" pitchFamily="34" charset="0"/>
+              <a:buChar char="•"/>
+            </a:pPr>
+            <a:r>
+              <a:rPr lang="en-US" sz="2400" dirty="0"/>
+              <a:t>Increase the Living Space by converting Basement Garage to living area and investigate effect on the sale price.</a:t>
+            </a:r>
+          </a:p>
+          <a:p>
+            <a:pPr marL="285750" indent="-285750">
+              <a:buFont typeface="Arial" panose="020B0604020202020204" pitchFamily="34" charset="0"/>
+              <a:buChar char="•"/>
+            </a:pPr>
+            <a:r>
+              <a:rPr lang="en-US" sz="2400" dirty="0"/>
+              <a:t>Further analysis of heat system to calculate average sale price for each heat system.</a:t>
+            </a:r>
+          </a:p>
+          <a:p>
+            <a:pPr marL="285750" indent="-285750">
+              <a:buFont typeface="Arial" panose="020B0604020202020204" pitchFamily="34" charset="0"/>
+              <a:buChar char="•"/>
+            </a:pPr>
+            <a:endParaRPr lang="en-US" sz="2400" dirty="0"/>
+          </a:p>
+        </p:txBody>
+      </p:sp>
+    </p:spTree>
+    <p:extLst>
+      <p:ext uri="{BB962C8B-B14F-4D97-AF65-F5344CB8AC3E}">
+        <p14:creationId xmlns:p14="http://schemas.microsoft.com/office/powerpoint/2010/main" val="868405030"/>
+      </p:ext>
+    </p:extLst>
+  </p:cSld>
+  <p:clrMapOvr>
+    <a:masterClrMapping/>
+  </p:clrMapOvr>
+</p:sld>
+</file>
+
+<file path=ppt/slides/slide9.xml><?xml version="1.0" encoding="utf-8"?>
+<p:sld xmlns:a="http://schemas.openxmlformats.org/drawingml/2006/main" xmlns:r="http://schemas.openxmlformats.org/officeDocument/2006/relationships" xmlns:p="http://schemas.openxmlformats.org/presentationml/2006/main">
+  <p:cSld>
+    <p:spTree>
+      <p:nvGrpSpPr>
+        <p:cNvPr id="1" name=""/>
+        <p:cNvGrpSpPr/>
+        <p:nvPr/>
+      </p:nvGrpSpPr>
+      <p:grpSpPr>
+        <a:xfrm>
+          <a:off x="0" y="0"/>
+          <a:ext cx="0" cy="0"/>
+          <a:chOff x="0" y="0"/>
+          <a:chExt cx="0" cy="0"/>
+        </a:xfrm>
+      </p:grpSpPr>
+      <p:sp>
+        <p:nvSpPr>
+          <p:cNvPr id="2" name="Title 1">
+            <a:extLst>
+              <a:ext uri="{FF2B5EF4-FFF2-40B4-BE49-F238E27FC236}">
                 <a16:creationId xmlns:a16="http://schemas.microsoft.com/office/drawing/2014/main" id="{8819D75E-EB25-224B-AA91-1813FC0AEA6D}"/>
               </a:ext>
             </a:extLst>
@@ -3946,29 +4527,30 @@
               <a:rPr lang="en-US" dirty="0"/>
             </a:br>
             <a:r>
-              <a:rPr lang="en-US" dirty="0"/>
-              <a:t>Email:agulyamova14@gmail.com</a:t>
+              <a:rPr lang="en-US" cap="none" dirty="0">
+                <a:latin typeface="Apple Braille" pitchFamily="2" charset="0"/>
+                <a:cs typeface="Al Nile" pitchFamily="2" charset="-78"/>
+              </a:rPr>
+              <a:t>email:agulyamova14@gmail.com</a:t>
             </a:r>
             <a:br>
-              <a:rPr lang="en-US" dirty="0"/>
+              <a:rPr lang="en-US" cap="none">
+                <a:latin typeface="Apple Braille" pitchFamily="2" charset="0"/>
+                <a:cs typeface="Al Nile" pitchFamily="2" charset="-78"/>
+              </a:rPr>
             </a:br>
             <a:r>
-              <a:rPr lang="en-US" dirty="0" err="1"/>
-              <a:t>github</a:t>
-            </a:r>
-            <a:r>
-              <a:rPr lang="en-US" dirty="0"/>
-              <a:t>: </a:t>
-            </a:r>
-            <a:r>
-              <a:rPr lang="en-US" sz="2000" b="1" dirty="0" err="1"/>
-              <a:t>zyazya</a:t>
-            </a:r>
-            <a:r>
-              <a:rPr lang="en-US" dirty="0" err="1"/>
-              <a:t>g</a:t>
-            </a:r>
-            <a:endParaRPr lang="en-US" dirty="0"/>
+              <a:rPr lang="en-US" cap="none">
+                <a:latin typeface="Apple Braille" pitchFamily="2" charset="0"/>
+                <a:cs typeface="Al Nile" pitchFamily="2" charset="-78"/>
+                <a:hlinkClick r:id="rId2"/>
+              </a:rPr>
+              <a:t>GitHub</a:t>
+            </a:r>
+            <a:endParaRPr lang="en-US" dirty="0">
+              <a:latin typeface="Apple Braille" pitchFamily="2" charset="0"/>
+              <a:cs typeface="Al Nile" pitchFamily="2" charset="-78"/>
+            </a:endParaRPr>
           </a:p>
         </p:txBody>
       </p:sp>

--- a/reports/presentation.pptx
+++ b/reports/presentation.pptx
@@ -11,9 +11,10 @@
     <p:sldId id="259" r:id="rId5"/>
     <p:sldId id="264" r:id="rId6"/>
     <p:sldId id="265" r:id="rId7"/>
-    <p:sldId id="261" r:id="rId8"/>
-    <p:sldId id="262" r:id="rId9"/>
-    <p:sldId id="263" r:id="rId10"/>
+    <p:sldId id="266" r:id="rId8"/>
+    <p:sldId id="261" r:id="rId9"/>
+    <p:sldId id="262" r:id="rId10"/>
+    <p:sldId id="263" r:id="rId11"/>
   </p:sldIdLst>
   <p:sldSz cx="12192000" cy="6858000"/>
   <p:notesSz cx="6858000" cy="9144000"/>
@@ -283,7 +284,7 @@
           <a:p>
             <a:fld id="{1160EA64-D806-43AC-9DF2-F8C432F32B4C}" type="datetimeFigureOut">
               <a:rPr lang="en-US" dirty="0"/>
-              <a:t>12/1/21</a:t>
+              <a:t>12/3/21</a:t>
             </a:fld>
             <a:endParaRPr lang="en-US" dirty="0"/>
           </a:p>
@@ -449,7 +450,7 @@
           <a:p>
             <a:fld id="{E9F9C37B-1D36-470B-8223-D6C91242EC14}" type="datetimeFigureOut">
               <a:rPr lang="en-US" dirty="0"/>
-              <a:t>12/1/21</a:t>
+              <a:t>12/3/21</a:t>
             </a:fld>
             <a:endParaRPr lang="en-US" dirty="0"/>
           </a:p>
@@ -624,7 +625,7 @@
           <a:p>
             <a:fld id="{67C6F52A-A82B-47A2-A83A-8C4C91F2D59F}" type="datetimeFigureOut">
               <a:rPr lang="en-US" dirty="0"/>
-              <a:t>12/1/21</a:t>
+              <a:t>12/3/21</a:t>
             </a:fld>
             <a:endParaRPr lang="en-US" dirty="0"/>
           </a:p>
@@ -789,7 +790,7 @@
           <a:p>
             <a:fld id="{F070A7B3-6521-4DCA-87E5-044747A908C1}" type="datetimeFigureOut">
               <a:rPr lang="en-US" dirty="0"/>
-              <a:t>12/1/21</a:t>
+              <a:t>12/3/21</a:t>
             </a:fld>
             <a:endParaRPr lang="en-US" dirty="0"/>
           </a:p>
@@ -1053,7 +1054,7 @@
           <a:p>
             <a:fld id="{1160EA64-D806-43AC-9DF2-F8C432F32B4C}" type="datetimeFigureOut">
               <a:rPr lang="en-US" dirty="0"/>
-              <a:t>12/1/21</a:t>
+              <a:t>12/3/21</a:t>
             </a:fld>
             <a:endParaRPr lang="en-US" dirty="0"/>
           </a:p>
@@ -1281,7 +1282,7 @@
           <a:p>
             <a:fld id="{AB134690-1557-4C89-A502-4959FE7FAD70}" type="datetimeFigureOut">
               <a:rPr lang="en-US" dirty="0"/>
-              <a:t>12/1/21</a:t>
+              <a:t>12/3/21</a:t>
             </a:fld>
             <a:endParaRPr lang="en-US" dirty="0"/>
           </a:p>
@@ -1635,7 +1636,7 @@
           <a:p>
             <a:fld id="{4F7D4976-E339-4826-83B7-FBD03F55ECF8}" type="datetimeFigureOut">
               <a:rPr lang="en-US" dirty="0"/>
-              <a:t>12/1/21</a:t>
+              <a:t>12/3/21</a:t>
             </a:fld>
             <a:endParaRPr lang="en-US" dirty="0"/>
           </a:p>
@@ -1771,7 +1772,7 @@
           <a:p>
             <a:fld id="{E1037C31-9E7A-4F99-8774-A0E530DE1A42}" type="datetimeFigureOut">
               <a:rPr lang="en-US" dirty="0"/>
-              <a:t>12/1/21</a:t>
+              <a:t>12/3/21</a:t>
             </a:fld>
             <a:endParaRPr lang="en-US" dirty="0"/>
           </a:p>
@@ -1861,7 +1862,7 @@
           <a:p>
             <a:fld id="{C278504F-A551-4DE0-9316-4DCD1D8CC752}" type="datetimeFigureOut">
               <a:rPr lang="en-US" dirty="0"/>
-              <a:t>12/1/21</a:t>
+              <a:t>12/3/21</a:t>
             </a:fld>
             <a:endParaRPr lang="en-US" dirty="0"/>
           </a:p>
@@ -2213,7 +2214,7 @@
           <a:p>
             <a:fld id="{D1BE4249-C0D0-4B06-8692-E8BB871AF643}" type="datetimeFigureOut">
               <a:rPr lang="en-US" dirty="0"/>
-              <a:t>12/1/21</a:t>
+              <a:t>12/3/21</a:t>
             </a:fld>
             <a:endParaRPr lang="en-US" dirty="0"/>
           </a:p>
@@ -2565,7 +2566,7 @@
           <a:p>
             <a:fld id="{042B0DB6-F5C7-45FB-8CF3-31B45F9C2DAC}" type="datetimeFigureOut">
               <a:rPr lang="en-US" dirty="0"/>
-              <a:t>12/1/21</a:t>
+              <a:t>12/3/21</a:t>
             </a:fld>
             <a:endParaRPr lang="en-US" dirty="0"/>
           </a:p>
@@ -2802,7 +2803,7 @@
           <a:p>
             <a:fld id="{1160EA64-D806-43AC-9DF2-F8C432F32B4C}" type="datetimeFigureOut">
               <a:rPr lang="en-US" dirty="0"/>
-              <a:t>12/1/21</a:t>
+              <a:t>12/3/21</a:t>
             </a:fld>
             <a:endParaRPr lang="en-US" dirty="0"/>
           </a:p>
@@ -3292,6 +3293,100 @@
 </p:sld>
 </file>
 
+<file path=ppt/slides/slide10.xml><?xml version="1.0" encoding="utf-8"?>
+<p:sld xmlns:a="http://schemas.openxmlformats.org/drawingml/2006/main" xmlns:r="http://schemas.openxmlformats.org/officeDocument/2006/relationships" xmlns:p="http://schemas.openxmlformats.org/presentationml/2006/main">
+  <p:cSld>
+    <p:spTree>
+      <p:nvGrpSpPr>
+        <p:cNvPr id="1" name=""/>
+        <p:cNvGrpSpPr/>
+        <p:nvPr/>
+      </p:nvGrpSpPr>
+      <p:grpSpPr>
+        <a:xfrm>
+          <a:off x="0" y="0"/>
+          <a:ext cx="0" cy="0"/>
+          <a:chOff x="0" y="0"/>
+          <a:chExt cx="0" cy="0"/>
+        </a:xfrm>
+      </p:grpSpPr>
+      <p:sp>
+        <p:nvSpPr>
+          <p:cNvPr id="2" name="Title 1">
+            <a:extLst>
+              <a:ext uri="{FF2B5EF4-FFF2-40B4-BE49-F238E27FC236}">
+                <a16:creationId xmlns:a16="http://schemas.microsoft.com/office/drawing/2014/main" id="{8819D75E-EB25-224B-AA91-1813FC0AEA6D}"/>
+              </a:ext>
+            </a:extLst>
+          </p:cNvPr>
+          <p:cNvSpPr>
+            <a:spLocks noGrp="1"/>
+          </p:cNvSpPr>
+          <p:nvPr>
+            <p:ph type="title"/>
+          </p:nvPr>
+        </p:nvSpPr>
+        <p:spPr>
+          <a:xfrm>
+            <a:off x="2231136" y="964692"/>
+            <a:ext cx="7729728" cy="4859638"/>
+          </a:xfrm>
+        </p:spPr>
+        <p:txBody>
+          <a:bodyPr/>
+          <a:lstStyle/>
+          <a:p>
+            <a:r>
+              <a:rPr lang="en-US" dirty="0"/>
+              <a:t>Thank you!</a:t>
+            </a:r>
+            <a:br>
+              <a:rPr lang="en-US" dirty="0"/>
+            </a:br>
+            <a:br>
+              <a:rPr lang="en-US" dirty="0"/>
+            </a:br>
+            <a:r>
+              <a:rPr lang="en-US" cap="none" dirty="0">
+                <a:latin typeface="Apple Braille" pitchFamily="2" charset="0"/>
+                <a:cs typeface="Al Nile" pitchFamily="2" charset="-78"/>
+              </a:rPr>
+              <a:t>email:agulyamova14@gmail.com</a:t>
+            </a:r>
+            <a:br>
+              <a:rPr lang="en-US" cap="none">
+                <a:latin typeface="Apple Braille" pitchFamily="2" charset="0"/>
+                <a:cs typeface="Al Nile" pitchFamily="2" charset="-78"/>
+              </a:rPr>
+            </a:br>
+            <a:r>
+              <a:rPr lang="en-US" cap="none">
+                <a:latin typeface="Apple Braille" pitchFamily="2" charset="0"/>
+                <a:cs typeface="Al Nile" pitchFamily="2" charset="-78"/>
+                <a:hlinkClick r:id="rId2"/>
+              </a:rPr>
+              <a:t>GitHub</a:t>
+            </a:r>
+            <a:endParaRPr lang="en-US" dirty="0">
+              <a:latin typeface="Apple Braille" pitchFamily="2" charset="0"/>
+              <a:cs typeface="Al Nile" pitchFamily="2" charset="-78"/>
+            </a:endParaRPr>
+          </a:p>
+        </p:txBody>
+      </p:sp>
+    </p:spTree>
+    <p:extLst>
+      <p:ext uri="{BB962C8B-B14F-4D97-AF65-F5344CB8AC3E}">
+        <p14:creationId xmlns:p14="http://schemas.microsoft.com/office/powerpoint/2010/main" val="2464604363"/>
+      </p:ext>
+    </p:extLst>
+  </p:cSld>
+  <p:clrMapOvr>
+    <a:masterClrMapping/>
+  </p:clrMapOvr>
+</p:sld>
+</file>
+
 <file path=ppt/slides/slide2.xml><?xml version="1.0" encoding="utf-8"?>
 <p:sld xmlns:a="http://schemas.openxmlformats.org/drawingml/2006/main" xmlns:r="http://schemas.openxmlformats.org/officeDocument/2006/relationships" xmlns:p="http://schemas.openxmlformats.org/presentationml/2006/main">
   <p:cSld>
@@ -4220,6 +4315,14 @@
 <file path=ppt/slides/slide7.xml><?xml version="1.0" encoding="utf-8"?>
 <p:sld xmlns:a="http://schemas.openxmlformats.org/drawingml/2006/main" xmlns:r="http://schemas.openxmlformats.org/officeDocument/2006/relationships" xmlns:p="http://schemas.openxmlformats.org/presentationml/2006/main">
   <p:cSld>
+    <p:bg>
+      <p:bgPr>
+        <a:solidFill>
+          <a:schemeClr val="bg1"/>
+        </a:solidFill>
+        <a:effectLst/>
+      </p:bgPr>
+    </p:bg>
     <p:spTree>
       <p:nvGrpSpPr>
         <p:cNvPr id="1" name=""/>
@@ -4236,10 +4339,73 @@
       </p:grpSpPr>
       <p:sp>
         <p:nvSpPr>
+          <p:cNvPr id="10" name="Rectangle 9">
+            <a:extLst>
+              <a:ext uri="{FF2B5EF4-FFF2-40B4-BE49-F238E27FC236}">
+                <a16:creationId xmlns:a16="http://schemas.microsoft.com/office/drawing/2014/main" id="{CEAD0FD2-AF9A-4626-A717-49B022352DB8}"/>
+              </a:ext>
+              <a:ext uri="{C183D7F6-B498-43B3-948B-1728B52AA6E4}">
+                <adec:decorative xmlns:adec="http://schemas.microsoft.com/office/drawing/2017/decorative" val="1"/>
+              </a:ext>
+            </a:extLst>
+          </p:cNvPr>
+          <p:cNvSpPr>
+            <a:spLocks noGrp="1" noRot="1" noChangeAspect="1" noMove="1" noResize="1" noEditPoints="1" noAdjustHandles="1" noChangeArrowheads="1" noChangeShapeType="1" noTextEdit="1"/>
+          </p:cNvSpPr>
+          <p:nvPr>
+            <p:extLst>
+              <p:ext uri="{386F3935-93C4-4BCD-93E2-E3B085C9AB24}">
+                <p16:designElem xmlns:p16="http://schemas.microsoft.com/office/powerpoint/2015/main" val="1"/>
+              </p:ext>
+            </p:extLst>
+          </p:nvPr>
+        </p:nvSpPr>
+        <p:spPr>
+          <a:xfrm>
+            <a:off x="0" y="1"/>
+            <a:ext cx="6092951" cy="6858000"/>
+          </a:xfrm>
+          <a:prstGeom prst="rect">
+            <a:avLst/>
+          </a:prstGeom>
+          <a:solidFill>
+            <a:schemeClr val="accent2"/>
+          </a:solidFill>
+          <a:ln>
+            <a:noFill/>
+          </a:ln>
+        </p:spPr>
+        <p:style>
+          <a:lnRef idx="2">
+            <a:schemeClr val="accent1">
+              <a:shade val="50000"/>
+            </a:schemeClr>
+          </a:lnRef>
+          <a:fillRef idx="1">
+            <a:schemeClr val="accent1"/>
+          </a:fillRef>
+          <a:effectRef idx="0">
+            <a:schemeClr val="accent1"/>
+          </a:effectRef>
+          <a:fontRef idx="minor">
+            <a:schemeClr val="lt1"/>
+          </a:fontRef>
+        </p:style>
+        <p:txBody>
+          <a:bodyPr rtlCol="0" anchor="ctr"/>
+          <a:lstStyle/>
+          <a:p>
+            <a:pPr algn="ctr"/>
+            <a:endParaRPr lang="en-US"/>
+          </a:p>
+        </p:txBody>
+      </p:sp>
+      <p:sp>
+        <p:nvSpPr>
           <p:cNvPr id="2" name="Title 1">
             <a:extLst>
               <a:ext uri="{FF2B5EF4-FFF2-40B4-BE49-F238E27FC236}">
-                <a16:creationId xmlns:a16="http://schemas.microsoft.com/office/drawing/2014/main" id="{16C4C164-38D8-784C-B490-9A7F2A3435E5}"/>
+                <a16:creationId xmlns:a16="http://schemas.microsoft.com/office/drawing/2014/main" id="{72126467-A5CD-E24B-AAED-0983537EDDD0}"/>
               </a:ext>
             </a:extLst>
           </p:cNvPr>
@@ -4250,24 +4416,277 @@
             <p:ph type="title"/>
           </p:nvPr>
         </p:nvSpPr>
-        <p:spPr/>
-        <p:txBody>
-          <a:bodyPr/>
-          <a:lstStyle/>
-          <a:p>
-            <a:r>
-              <a:rPr lang="en-US" dirty="0"/>
-              <a:t>Results</a:t>
-            </a:r>
-          </a:p>
-        </p:txBody>
-      </p:sp>
-      <p:sp>
-        <p:nvSpPr>
-          <p:cNvPr id="5" name="TextBox 4">
+        <p:spPr>
+          <a:xfrm>
+            <a:off x="803147" y="808465"/>
+            <a:ext cx="4486656" cy="1645920"/>
+          </a:xfrm>
+        </p:spPr>
+        <p:txBody>
+          <a:bodyPr vert="horz" lIns="274320" tIns="182880" rIns="274320" bIns="182880" rtlCol="0" anchor="ctr" anchorCtr="1">
+            <a:normAutofit/>
+          </a:bodyPr>
+          <a:lstStyle/>
+          <a:p>
+            <a:r>
+              <a:rPr lang="en-US" sz="3200"/>
+              <a:t>modeling</a:t>
+            </a:r>
+          </a:p>
+        </p:txBody>
+      </p:sp>
+      <p:sp useBgFill="1">
+        <p:nvSpPr>
+          <p:cNvPr id="12" name="Rectangle 11">
             <a:extLst>
               <a:ext uri="{FF2B5EF4-FFF2-40B4-BE49-F238E27FC236}">
-                <a16:creationId xmlns:a16="http://schemas.microsoft.com/office/drawing/2014/main" id="{25864400-D626-DA40-BD60-E567C0E6E883}"/>
+                <a16:creationId xmlns:a16="http://schemas.microsoft.com/office/drawing/2014/main" id="{639AF048-01BF-4742-B8D3-428C27C1584E}"/>
+              </a:ext>
+              <a:ext uri="{C183D7F6-B498-43B3-948B-1728B52AA6E4}">
+                <adec:decorative xmlns:adec="http://schemas.microsoft.com/office/drawing/2017/decorative" val="1"/>
+              </a:ext>
+            </a:extLst>
+          </p:cNvPr>
+          <p:cNvSpPr>
+            <a:spLocks noGrp="1" noRot="1" noChangeAspect="1" noMove="1" noResize="1" noEditPoints="1" noAdjustHandles="1" noChangeArrowheads="1" noChangeShapeType="1" noTextEdit="1"/>
+          </p:cNvSpPr>
+          <p:nvPr>
+            <p:extLst>
+              <p:ext uri="{386F3935-93C4-4BCD-93E2-E3B085C9AB24}">
+                <p16:designElem xmlns:p16="http://schemas.microsoft.com/office/powerpoint/2015/main" val="1"/>
+              </p:ext>
+            </p:extLst>
+          </p:nvPr>
+        </p:nvSpPr>
+        <p:spPr>
+          <a:xfrm>
+            <a:off x="6096000" y="0"/>
+            <a:ext cx="6095999" cy="6858000"/>
+          </a:xfrm>
+          <a:prstGeom prst="rect">
+            <a:avLst/>
+          </a:prstGeom>
+          <a:ln>
+            <a:noFill/>
+          </a:ln>
+        </p:spPr>
+        <p:style>
+          <a:lnRef idx="2">
+            <a:schemeClr val="accent1">
+              <a:shade val="50000"/>
+            </a:schemeClr>
+          </a:lnRef>
+          <a:fillRef idx="1">
+            <a:schemeClr val="accent1"/>
+          </a:fillRef>
+          <a:effectRef idx="0">
+            <a:schemeClr val="accent1"/>
+          </a:effectRef>
+          <a:fontRef idx="minor">
+            <a:schemeClr val="lt1"/>
+          </a:fontRef>
+        </p:style>
+        <p:txBody>
+          <a:bodyPr rtlCol="0" anchor="ctr"/>
+          <a:lstStyle/>
+          <a:p>
+            <a:pPr algn="ctr"/>
+            <a:endParaRPr lang="en-US"/>
+          </a:p>
+        </p:txBody>
+      </p:sp>
+      <p:pic>
+        <p:nvPicPr>
+          <p:cNvPr id="5" name="Picture 4" descr="Graphical user interface, text, table&#10;&#10;Description automatically generated">
+            <a:extLst>
+              <a:ext uri="{FF2B5EF4-FFF2-40B4-BE49-F238E27FC236}">
+                <a16:creationId xmlns:a16="http://schemas.microsoft.com/office/drawing/2014/main" id="{4002BA9E-0A29-8741-A398-8EC3E4F13F5D}"/>
+              </a:ext>
+            </a:extLst>
+          </p:cNvPr>
+          <p:cNvPicPr>
+            <a:picLocks noChangeAspect="1"/>
+          </p:cNvPicPr>
+          <p:nvPr/>
+        </p:nvPicPr>
+        <p:blipFill>
+          <a:blip r:embed="rId2"/>
+          <a:stretch>
+            <a:fillRect/>
+          </a:stretch>
+        </p:blipFill>
+        <p:spPr>
+          <a:xfrm>
+            <a:off x="6432113" y="173575"/>
+            <a:ext cx="5373665" cy="6332255"/>
+          </a:xfrm>
+          <a:prstGeom prst="rect">
+            <a:avLst/>
+          </a:prstGeom>
+        </p:spPr>
+      </p:pic>
+      <p:sp>
+        <p:nvSpPr>
+          <p:cNvPr id="8" name="Oval 7">
+            <a:extLst>
+              <a:ext uri="{FF2B5EF4-FFF2-40B4-BE49-F238E27FC236}">
+                <a16:creationId xmlns:a16="http://schemas.microsoft.com/office/drawing/2014/main" id="{2F42B063-2912-184D-B51A-AC92B8FBB3B7}"/>
+              </a:ext>
+            </a:extLst>
+          </p:cNvPr>
+          <p:cNvSpPr/>
+          <p:nvPr/>
+        </p:nvSpPr>
+        <p:spPr>
+          <a:xfrm>
+            <a:off x="7866345" y="4785659"/>
+            <a:ext cx="663879" cy="212943"/>
+          </a:xfrm>
+          <a:prstGeom prst="ellipse">
+            <a:avLst/>
+          </a:prstGeom>
+          <a:noFill/>
+          <a:ln>
+            <a:solidFill>
+              <a:srgbClr val="FF0000"/>
+            </a:solidFill>
+          </a:ln>
+        </p:spPr>
+        <p:style>
+          <a:lnRef idx="2">
+            <a:schemeClr val="accent1">
+              <a:shade val="50000"/>
+            </a:schemeClr>
+          </a:lnRef>
+          <a:fillRef idx="1">
+            <a:schemeClr val="accent1"/>
+          </a:fillRef>
+          <a:effectRef idx="0">
+            <a:schemeClr val="accent1"/>
+          </a:effectRef>
+          <a:fontRef idx="minor">
+            <a:schemeClr val="lt1"/>
+          </a:fontRef>
+        </p:style>
+        <p:txBody>
+          <a:bodyPr rtlCol="0" anchor="ctr"/>
+          <a:lstStyle/>
+          <a:p>
+            <a:pPr algn="ctr"/>
+            <a:endParaRPr lang="en-US"/>
+          </a:p>
+        </p:txBody>
+      </p:sp>
+      <p:sp>
+        <p:nvSpPr>
+          <p:cNvPr id="11" name="Oval 10">
+            <a:extLst>
+              <a:ext uri="{FF2B5EF4-FFF2-40B4-BE49-F238E27FC236}">
+                <a16:creationId xmlns:a16="http://schemas.microsoft.com/office/drawing/2014/main" id="{F80F418D-CE40-104A-BE36-2D73F55DBE6B}"/>
+              </a:ext>
+            </a:extLst>
+          </p:cNvPr>
+          <p:cNvSpPr/>
+          <p:nvPr/>
+        </p:nvSpPr>
+        <p:spPr>
+          <a:xfrm>
+            <a:off x="7722012" y="4043819"/>
+            <a:ext cx="808212" cy="212943"/>
+          </a:xfrm>
+          <a:prstGeom prst="ellipse">
+            <a:avLst/>
+          </a:prstGeom>
+          <a:noFill/>
+          <a:ln>
+            <a:solidFill>
+              <a:srgbClr val="FF0000"/>
+            </a:solidFill>
+          </a:ln>
+        </p:spPr>
+        <p:style>
+          <a:lnRef idx="2">
+            <a:schemeClr val="accent1">
+              <a:shade val="50000"/>
+            </a:schemeClr>
+          </a:lnRef>
+          <a:fillRef idx="1">
+            <a:schemeClr val="accent1"/>
+          </a:fillRef>
+          <a:effectRef idx="0">
+            <a:schemeClr val="accent1"/>
+          </a:effectRef>
+          <a:fontRef idx="minor">
+            <a:schemeClr val="lt1"/>
+          </a:fontRef>
+        </p:style>
+        <p:txBody>
+          <a:bodyPr rtlCol="0" anchor="ctr"/>
+          <a:lstStyle/>
+          <a:p>
+            <a:pPr algn="ctr"/>
+            <a:endParaRPr lang="en-US"/>
+          </a:p>
+        </p:txBody>
+      </p:sp>
+      <p:sp>
+        <p:nvSpPr>
+          <p:cNvPr id="13" name="Oval 12">
+            <a:extLst>
+              <a:ext uri="{FF2B5EF4-FFF2-40B4-BE49-F238E27FC236}">
+                <a16:creationId xmlns:a16="http://schemas.microsoft.com/office/drawing/2014/main" id="{CC4F4C07-EA88-E04C-BFCD-AE5984BD592D}"/>
+              </a:ext>
+            </a:extLst>
+          </p:cNvPr>
+          <p:cNvSpPr/>
+          <p:nvPr/>
+        </p:nvSpPr>
+        <p:spPr>
+          <a:xfrm>
+            <a:off x="7722012" y="3326605"/>
+            <a:ext cx="808212" cy="212943"/>
+          </a:xfrm>
+          <a:prstGeom prst="ellipse">
+            <a:avLst/>
+          </a:prstGeom>
+          <a:noFill/>
+          <a:ln>
+            <a:solidFill>
+              <a:srgbClr val="FF0000"/>
+            </a:solidFill>
+          </a:ln>
+        </p:spPr>
+        <p:style>
+          <a:lnRef idx="2">
+            <a:schemeClr val="accent1">
+              <a:shade val="50000"/>
+            </a:schemeClr>
+          </a:lnRef>
+          <a:fillRef idx="1">
+            <a:schemeClr val="accent1"/>
+          </a:fillRef>
+          <a:effectRef idx="0">
+            <a:schemeClr val="accent1"/>
+          </a:effectRef>
+          <a:fontRef idx="minor">
+            <a:schemeClr val="lt1"/>
+          </a:fontRef>
+        </p:style>
+        <p:txBody>
+          <a:bodyPr rtlCol="0" anchor="ctr"/>
+          <a:lstStyle/>
+          <a:p>
+            <a:pPr algn="ctr"/>
+            <a:endParaRPr lang="en-US"/>
+          </a:p>
+        </p:txBody>
+      </p:sp>
+      <p:sp>
+        <p:nvSpPr>
+          <p:cNvPr id="9" name="TextBox 8">
+            <a:extLst>
+              <a:ext uri="{FF2B5EF4-FFF2-40B4-BE49-F238E27FC236}">
+                <a16:creationId xmlns:a16="http://schemas.microsoft.com/office/drawing/2014/main" id="{6E719694-448F-FD48-989B-D8A08765014F}"/>
               </a:ext>
             </a:extLst>
           </p:cNvPr>
@@ -4276,8 +4695,8 @@
         </p:nvSpPr>
         <p:spPr>
           <a:xfrm>
-            <a:off x="2464904" y="3101009"/>
-            <a:ext cx="7066722" cy="2677656"/>
+            <a:off x="1139868" y="3131507"/>
+            <a:ext cx="3670127" cy="1477328"/>
           </a:xfrm>
           <a:prstGeom prst="rect">
             <a:avLst/>
@@ -4295,12 +4714,8 @@
               <a:buChar char="•"/>
             </a:pPr>
             <a:r>
-              <a:rPr lang="en-US" sz="2400" b="1" dirty="0"/>
-              <a:t>Enclose porch </a:t>
-            </a:r>
-            <a:r>
-              <a:rPr lang="en-US" sz="2400" dirty="0"/>
-              <a:t>- the price of the house increases by $160 per square feet if the porch is enclosed.</a:t>
+              <a:rPr lang="en-US" dirty="0"/>
+              <a:t>Square Feet of living space increases house price by $17 500</a:t>
             </a:r>
           </a:p>
           <a:p>
@@ -4309,12 +4724,8 @@
               <a:buChar char="•"/>
             </a:pPr>
             <a:r>
-              <a:rPr lang="en-US" sz="2400" b="1" dirty="0"/>
-              <a:t>Upgrade to Forced Air</a:t>
-            </a:r>
-            <a:r>
-              <a:rPr lang="en-US" sz="2400" dirty="0"/>
-              <a:t> system the Elec BB Heat Systems due to price increase.</a:t>
+              <a:rPr lang="en-US" dirty="0"/>
+              <a:t>Electric Baseboard heating system – low price</a:t>
             </a:r>
           </a:p>
           <a:p>
@@ -4323,23 +4734,16 @@
               <a:buChar char="•"/>
             </a:pPr>
             <a:r>
-              <a:rPr lang="en-US" sz="2400" b="1" dirty="0"/>
-              <a:t>Increase the square feet of Living Space - </a:t>
-            </a:r>
-            <a:r>
-              <a:rPr lang="en-US" sz="2400" dirty="0"/>
-              <a:t>every foot upgrade increases house price by $17 500.</a:t>
-            </a:r>
-          </a:p>
-          <a:p>
-            <a:endParaRPr lang="en-US" sz="2400" dirty="0"/>
+              <a:rPr lang="en-US" dirty="0"/>
+              <a:t>Enclosed porch – higher price</a:t>
+            </a:r>
           </a:p>
         </p:txBody>
       </p:sp>
     </p:spTree>
     <p:extLst>
       <p:ext uri="{BB962C8B-B14F-4D97-AF65-F5344CB8AC3E}">
-        <p14:creationId xmlns:p14="http://schemas.microsoft.com/office/powerpoint/2010/main" val="2481807130"/>
+        <p14:creationId xmlns:p14="http://schemas.microsoft.com/office/powerpoint/2010/main" val="672065294"/>
       </p:ext>
     </p:extLst>
   </p:cSld>
@@ -4371,7 +4775,7 @@
           <p:cNvPr id="2" name="Title 1">
             <a:extLst>
               <a:ext uri="{FF2B5EF4-FFF2-40B4-BE49-F238E27FC236}">
-                <a16:creationId xmlns:a16="http://schemas.microsoft.com/office/drawing/2014/main" id="{17EB785C-B93D-184A-956B-85E3B27DA5D2}"/>
+                <a16:creationId xmlns:a16="http://schemas.microsoft.com/office/drawing/2014/main" id="{16C4C164-38D8-784C-B490-9A7F2A3435E5}"/>
               </a:ext>
             </a:extLst>
           </p:cNvPr>
@@ -4389,17 +4793,17 @@
           <a:p>
             <a:r>
               <a:rPr lang="en-US" dirty="0"/>
-              <a:t>Next Steps</a:t>
-            </a:r>
-          </a:p>
-        </p:txBody>
-      </p:sp>
-      <p:sp>
-        <p:nvSpPr>
-          <p:cNvPr id="3" name="TextBox 2">
+              <a:t>Results</a:t>
+            </a:r>
+          </a:p>
+        </p:txBody>
+      </p:sp>
+      <p:sp>
+        <p:nvSpPr>
+          <p:cNvPr id="5" name="TextBox 4">
             <a:extLst>
               <a:ext uri="{FF2B5EF4-FFF2-40B4-BE49-F238E27FC236}">
-                <a16:creationId xmlns:a16="http://schemas.microsoft.com/office/drawing/2014/main" id="{1BE23EA0-195B-0D41-9433-65F8DF076A80}"/>
+                <a16:creationId xmlns:a16="http://schemas.microsoft.com/office/drawing/2014/main" id="{25864400-D626-DA40-BD60-E567C0E6E883}"/>
               </a:ext>
             </a:extLst>
           </p:cNvPr>
@@ -4408,8 +4812,8 @@
         </p:nvSpPr>
         <p:spPr>
           <a:xfrm>
-            <a:off x="2231136" y="2822713"/>
-            <a:ext cx="7729728" cy="3046988"/>
+            <a:off x="2464904" y="3101009"/>
+            <a:ext cx="7066722" cy="2677656"/>
           </a:xfrm>
           <a:prstGeom prst="rect">
             <a:avLst/>
@@ -4427,8 +4831,12 @@
               <a:buChar char="•"/>
             </a:pPr>
             <a:r>
+              <a:rPr lang="en-US" sz="2400" b="1" dirty="0"/>
+              <a:t>Enclose porch </a:t>
+            </a:r>
+            <a:r>
               <a:rPr lang="en-US" sz="2400" dirty="0"/>
-              <a:t>Further investigation of houses with fully open porches and fully enclosed porches. Find average price for both features.</a:t>
+              <a:t>- the price of the house increases by $160 per square feet if the porch is enclosed.</a:t>
             </a:r>
           </a:p>
           <a:p>
@@ -4437,8 +4845,12 @@
               <a:buChar char="•"/>
             </a:pPr>
             <a:r>
+              <a:rPr lang="en-US" sz="2400" b="1" dirty="0"/>
+              <a:t>Upgrade to Forced Air</a:t>
+            </a:r>
+            <a:r>
               <a:rPr lang="en-US" sz="2400" dirty="0"/>
-              <a:t>Increase the Living Space by converting Basement Garage to living area and investigate effect on the sale price.</a:t>
+              <a:t> system the Elec BB Heat Systems due to price increase.</a:t>
             </a:r>
           </a:p>
           <a:p>
@@ -4447,15 +4859,15 @@
               <a:buChar char="•"/>
             </a:pPr>
             <a:r>
+              <a:rPr lang="en-US" sz="2400" b="1" dirty="0"/>
+              <a:t>Increase the square feet of Living Space - </a:t>
+            </a:r>
+            <a:r>
               <a:rPr lang="en-US" sz="2400" dirty="0"/>
-              <a:t>Further analysis of heat system to calculate average sale price for each heat system.</a:t>
-            </a:r>
-          </a:p>
-          <a:p>
-            <a:pPr marL="285750" indent="-285750">
-              <a:buFont typeface="Arial" panose="020B0604020202020204" pitchFamily="34" charset="0"/>
-              <a:buChar char="•"/>
-            </a:pPr>
+              <a:t>every foot upgrade increases house price by $17 500.</a:t>
+            </a:r>
+          </a:p>
+          <a:p>
             <a:endParaRPr lang="en-US" sz="2400" dirty="0"/>
           </a:p>
         </p:txBody>
@@ -4463,7 +4875,7 @@
     </p:spTree>
     <p:extLst>
       <p:ext uri="{BB962C8B-B14F-4D97-AF65-F5344CB8AC3E}">
-        <p14:creationId xmlns:p14="http://schemas.microsoft.com/office/powerpoint/2010/main" val="868405030"/>
+        <p14:creationId xmlns:p14="http://schemas.microsoft.com/office/powerpoint/2010/main" val="2481807130"/>
       </p:ext>
     </p:extLst>
   </p:cSld>
@@ -4495,7 +4907,7 @@
           <p:cNvPr id="2" name="Title 1">
             <a:extLst>
               <a:ext uri="{FF2B5EF4-FFF2-40B4-BE49-F238E27FC236}">
-                <a16:creationId xmlns:a16="http://schemas.microsoft.com/office/drawing/2014/main" id="{8819D75E-EB25-224B-AA91-1813FC0AEA6D}"/>
+                <a16:creationId xmlns:a16="http://schemas.microsoft.com/office/drawing/2014/main" id="{17EB785C-B93D-184A-956B-85E3B27DA5D2}"/>
               </a:ext>
             </a:extLst>
           </p:cNvPr>
@@ -4506,58 +4918,88 @@
             <p:ph type="title"/>
           </p:nvPr>
         </p:nvSpPr>
+        <p:spPr/>
+        <p:txBody>
+          <a:bodyPr/>
+          <a:lstStyle/>
+          <a:p>
+            <a:r>
+              <a:rPr lang="en-US" dirty="0"/>
+              <a:t>Next Steps</a:t>
+            </a:r>
+          </a:p>
+        </p:txBody>
+      </p:sp>
+      <p:sp>
+        <p:nvSpPr>
+          <p:cNvPr id="3" name="TextBox 2">
+            <a:extLst>
+              <a:ext uri="{FF2B5EF4-FFF2-40B4-BE49-F238E27FC236}">
+                <a16:creationId xmlns:a16="http://schemas.microsoft.com/office/drawing/2014/main" id="{1BE23EA0-195B-0D41-9433-65F8DF076A80}"/>
+              </a:ext>
+            </a:extLst>
+          </p:cNvPr>
+          <p:cNvSpPr txBox="1"/>
+          <p:nvPr/>
+        </p:nvSpPr>
         <p:spPr>
           <a:xfrm>
-            <a:off x="2231136" y="964692"/>
-            <a:ext cx="7729728" cy="4859638"/>
+            <a:off x="2231136" y="2822713"/>
+            <a:ext cx="7729728" cy="3046988"/>
           </a:xfrm>
+          <a:prstGeom prst="rect">
+            <a:avLst/>
+          </a:prstGeom>
+          <a:noFill/>
         </p:spPr>
         <p:txBody>
-          <a:bodyPr/>
-          <a:lstStyle/>
-          <a:p>
-            <a:r>
-              <a:rPr lang="en-US" dirty="0"/>
-              <a:t>Thank you!</a:t>
-            </a:r>
-            <a:br>
-              <a:rPr lang="en-US" dirty="0"/>
-            </a:br>
-            <a:br>
-              <a:rPr lang="en-US" dirty="0"/>
-            </a:br>
-            <a:r>
-              <a:rPr lang="en-US" cap="none" dirty="0">
-                <a:latin typeface="Apple Braille" pitchFamily="2" charset="0"/>
-                <a:cs typeface="Al Nile" pitchFamily="2" charset="-78"/>
-              </a:rPr>
-              <a:t>email:agulyamova14@gmail.com</a:t>
-            </a:r>
-            <a:br>
-              <a:rPr lang="en-US" cap="none">
-                <a:latin typeface="Apple Braille" pitchFamily="2" charset="0"/>
-                <a:cs typeface="Al Nile" pitchFamily="2" charset="-78"/>
-              </a:rPr>
-            </a:br>
-            <a:r>
-              <a:rPr lang="en-US" cap="none">
-                <a:latin typeface="Apple Braille" pitchFamily="2" charset="0"/>
-                <a:cs typeface="Al Nile" pitchFamily="2" charset="-78"/>
-                <a:hlinkClick r:id="rId2"/>
-              </a:rPr>
-              <a:t>GitHub</a:t>
-            </a:r>
-            <a:endParaRPr lang="en-US" dirty="0">
-              <a:latin typeface="Apple Braille" pitchFamily="2" charset="0"/>
-              <a:cs typeface="Al Nile" pitchFamily="2" charset="-78"/>
-            </a:endParaRPr>
+          <a:bodyPr wrap="square" rtlCol="0">
+            <a:spAutoFit/>
+          </a:bodyPr>
+          <a:lstStyle/>
+          <a:p>
+            <a:pPr marL="285750" indent="-285750">
+              <a:buFont typeface="Arial" panose="020B0604020202020204" pitchFamily="34" charset="0"/>
+              <a:buChar char="•"/>
+            </a:pPr>
+            <a:r>
+              <a:rPr lang="en-US" sz="2400" dirty="0"/>
+              <a:t>Further investigation of houses with fully open porches and fully enclosed porches. Find average price for both features.</a:t>
+            </a:r>
+          </a:p>
+          <a:p>
+            <a:pPr marL="285750" indent="-285750">
+              <a:buFont typeface="Arial" panose="020B0604020202020204" pitchFamily="34" charset="0"/>
+              <a:buChar char="•"/>
+            </a:pPr>
+            <a:r>
+              <a:rPr lang="en-US" sz="2400" dirty="0"/>
+              <a:t>Increase the Living Space by converting Basement Garage to living area and investigate effect on the sale price.</a:t>
+            </a:r>
+          </a:p>
+          <a:p>
+            <a:pPr marL="285750" indent="-285750">
+              <a:buFont typeface="Arial" panose="020B0604020202020204" pitchFamily="34" charset="0"/>
+              <a:buChar char="•"/>
+            </a:pPr>
+            <a:r>
+              <a:rPr lang="en-US" sz="2400" dirty="0"/>
+              <a:t>Further analysis of heat system to calculate average sale price for each heat system.</a:t>
+            </a:r>
+          </a:p>
+          <a:p>
+            <a:pPr marL="285750" indent="-285750">
+              <a:buFont typeface="Arial" panose="020B0604020202020204" pitchFamily="34" charset="0"/>
+              <a:buChar char="•"/>
+            </a:pPr>
+            <a:endParaRPr lang="en-US" sz="2400" dirty="0"/>
           </a:p>
         </p:txBody>
       </p:sp>
     </p:spTree>
     <p:extLst>
       <p:ext uri="{BB962C8B-B14F-4D97-AF65-F5344CB8AC3E}">
-        <p14:creationId xmlns:p14="http://schemas.microsoft.com/office/powerpoint/2010/main" val="2464604363"/>
+        <p14:creationId xmlns:p14="http://schemas.microsoft.com/office/powerpoint/2010/main" val="868405030"/>
       </p:ext>
     </p:extLst>
   </p:cSld>
